--- a/doc/Provenance Visualization on the Web v2.0.pptx
+++ b/doc/Provenance Visualization on the Web v2.0.pptx
@@ -5,10 +5,10 @@
     <p:sldMasterId id="2147483660" r:id="rId1"/>
   </p:sldMasterIdLst>
   <p:notesMasterIdLst>
-    <p:notesMasterId r:id="rId31"/>
+    <p:notesMasterId r:id="rId30"/>
   </p:notesMasterIdLst>
   <p:handoutMasterIdLst>
-    <p:handoutMasterId r:id="rId32"/>
+    <p:handoutMasterId r:id="rId31"/>
   </p:handoutMasterIdLst>
   <p:sldIdLst>
     <p:sldId id="256" r:id="rId2"/>
@@ -37,9 +37,8 @@
     <p:sldId id="277" r:id="rId25"/>
     <p:sldId id="274" r:id="rId26"/>
     <p:sldId id="279" r:id="rId27"/>
-    <p:sldId id="288" r:id="rId28"/>
-    <p:sldId id="271" r:id="rId29"/>
-    <p:sldId id="272" r:id="rId30"/>
+    <p:sldId id="271" r:id="rId28"/>
+    <p:sldId id="272" r:id="rId29"/>
   </p:sldIdLst>
   <p:sldSz cx="9144000" cy="6858000" type="screen4x3"/>
   <p:notesSz cx="6858000" cy="9180513"/>
@@ -143,17 +142,7 @@
 
 <file path=ppt/charts/chart1.xml><?xml version="1.0" encoding="utf-8"?>
 <c:chartSpace xmlns:c="http://schemas.openxmlformats.org/drawingml/2006/chart" xmlns:a="http://schemas.openxmlformats.org/drawingml/2006/main" xmlns:r="http://schemas.openxmlformats.org/officeDocument/2006/relationships">
-  <c:date1904 val="0"/>
-  <c:lang val="en-GB"/>
-  <c:roundedCorners val="0"/>
-  <mc:AlternateContent xmlns:mc="http://schemas.openxmlformats.org/markup-compatibility/2006">
-    <mc:Choice xmlns:c14="http://schemas.microsoft.com/office/drawing/2007/8/2/chart" Requires="c14">
-      <c14:style val="102"/>
-    </mc:Choice>
-    <mc:Fallback>
-      <c:style val="2"/>
-    </mc:Fallback>
-  </mc:AlternateContent>
+  <c:lang val="en-US"/>
   <c:chart>
     <c:title>
       <c:tx>
@@ -176,20 +165,15 @@
           </a:p>
         </c:rich>
       </c:tx>
-      <c:layout/>
-      <c:overlay val="0"/>
     </c:title>
-    <c:autoTitleDeleted val="0"/>
     <c:plotArea>
       <c:layout/>
       <c:barChart>
         <c:barDir val="col"/>
         <c:grouping val="stacked"/>
-        <c:varyColors val="0"/>
         <c:ser>
           <c:idx val="0"/>
           <c:order val="0"/>
-          <c:invertIfNegative val="0"/>
           <c:dLbls>
             <c:delete val="1"/>
           </c:dLbls>
@@ -223,54 +207,45 @@
                   <c:v>24.79</c:v>
                 </c:pt>
                 <c:pt idx="1">
-                  <c:v>136.0333333333333</c:v>
+                  <c:v>136.03333333333333</c:v>
                 </c:pt>
                 <c:pt idx="2">
                   <c:v>112.32000000000001</c:v>
                 </c:pt>
                 <c:pt idx="3">
-                  <c:v>0.48999999999999994</c:v>
+                  <c:v>0.49000000000000005</c:v>
                 </c:pt>
               </c:numCache>
             </c:numRef>
           </c:val>
         </c:ser>
         <c:dLbls>
-          <c:showLegendKey val="0"/>
           <c:showVal val="1"/>
-          <c:showCatName val="0"/>
-          <c:showSerName val="0"/>
-          <c:showPercent val="0"/>
-          <c:showBubbleSize val="0"/>
         </c:dLbls>
         <c:gapWidth val="55"/>
         <c:overlap val="100"/>
-        <c:axId val="43360256"/>
-        <c:axId val="43361792"/>
+        <c:axId val="57862400"/>
+        <c:axId val="58028032"/>
       </c:barChart>
       <c:catAx>
-        <c:axId val="43360256"/>
+        <c:axId val="57862400"/>
         <c:scaling>
           <c:orientation val="minMax"/>
         </c:scaling>
-        <c:delete val="0"/>
         <c:axPos val="b"/>
         <c:majorTickMark val="none"/>
-        <c:minorTickMark val="none"/>
         <c:tickLblPos val="nextTo"/>
-        <c:crossAx val="43361792"/>
+        <c:crossAx val="58028032"/>
         <c:crosses val="autoZero"/>
         <c:auto val="1"/>
         <c:lblAlgn val="ctr"/>
         <c:lblOffset val="100"/>
-        <c:noMultiLvlLbl val="0"/>
       </c:catAx>
       <c:valAx>
-        <c:axId val="43361792"/>
+        <c:axId val="58028032"/>
         <c:scaling>
           <c:orientation val="minMax"/>
         </c:scaling>
-        <c:delete val="0"/>
         <c:axPos val="l"/>
         <c:majorGridlines/>
         <c:title>
@@ -289,41 +264,25 @@
               </a:p>
             </c:rich>
           </c:tx>
-          <c:layout/>
-          <c:overlay val="0"/>
         </c:title>
         <c:numFmt formatCode="General" sourceLinked="1"/>
         <c:majorTickMark val="none"/>
-        <c:minorTickMark val="none"/>
         <c:tickLblPos val="nextTo"/>
-        <c:crossAx val="43360256"/>
+        <c:crossAx val="57862400"/>
         <c:crosses val="autoZero"/>
         <c:crossBetween val="between"/>
       </c:valAx>
     </c:plotArea>
     <c:plotVisOnly val="1"/>
     <c:dispBlanksAs val="gap"/>
-    <c:showDLblsOverMax val="0"/>
   </c:chart>
-  <c:externalData r:id="rId1">
-    <c:autoUpdate val="0"/>
-  </c:externalData>
+  <c:externalData r:id="rId1"/>
 </c:chartSpace>
 </file>
 
 <file path=ppt/charts/chart2.xml><?xml version="1.0" encoding="utf-8"?>
 <c:chartSpace xmlns:c="http://schemas.openxmlformats.org/drawingml/2006/chart" xmlns:a="http://schemas.openxmlformats.org/drawingml/2006/main" xmlns:r="http://schemas.openxmlformats.org/officeDocument/2006/relationships">
-  <c:date1904 val="0"/>
-  <c:lang val="en-GB"/>
-  <c:roundedCorners val="0"/>
-  <mc:AlternateContent xmlns:mc="http://schemas.openxmlformats.org/markup-compatibility/2006">
-    <mc:Choice xmlns:c14="http://schemas.microsoft.com/office/drawing/2007/8/2/chart" Requires="c14">
-      <c14:style val="102"/>
-    </mc:Choice>
-    <mc:Fallback>
-      <c:style val="2"/>
-    </mc:Fallback>
-  </mc:AlternateContent>
+  <c:lang val="en-US"/>
   <c:chart>
     <c:title>
       <c:tx>
@@ -366,16 +325,12 @@
           </a:p>
         </c:rich>
       </c:tx>
-      <c:layout/>
-      <c:overlay val="0"/>
     </c:title>
-    <c:autoTitleDeleted val="0"/>
     <c:plotArea>
       <c:layout/>
       <c:barChart>
         <c:barDir val="col"/>
         <c:grouping val="clustered"/>
-        <c:varyColors val="0"/>
         <c:ser>
           <c:idx val="0"/>
           <c:order val="0"/>
@@ -390,7 +345,6 @@
               </c:strCache>
             </c:strRef>
           </c:tx>
-          <c:invertIfNegative val="0"/>
           <c:cat>
             <c:strLit>
               <c:ptCount val="1"/>
@@ -426,7 +380,6 @@
               </c:strCache>
             </c:strRef>
           </c:tx>
-          <c:invertIfNegative val="0"/>
           <c:cat>
             <c:strLit>
               <c:ptCount val="1"/>
@@ -462,7 +415,6 @@
               </c:strCache>
             </c:strRef>
           </c:tx>
-          <c:invertIfNegative val="0"/>
           <c:cat>
             <c:strLit>
               <c:ptCount val="1"/>
@@ -484,41 +436,29 @@
             </c:numRef>
           </c:val>
         </c:ser>
-        <c:dLbls>
-          <c:showLegendKey val="0"/>
-          <c:showVal val="0"/>
-          <c:showCatName val="0"/>
-          <c:showSerName val="0"/>
-          <c:showPercent val="0"/>
-          <c:showBubbleSize val="0"/>
-        </c:dLbls>
-        <c:gapWidth val="150"/>
-        <c:axId val="43747584"/>
-        <c:axId val="43765760"/>
+        <c:dLbls/>
+        <c:axId val="58059392"/>
+        <c:axId val="58323328"/>
       </c:barChart>
       <c:catAx>
-        <c:axId val="43747584"/>
+        <c:axId val="58059392"/>
         <c:scaling>
           <c:orientation val="minMax"/>
         </c:scaling>
-        <c:delete val="0"/>
         <c:axPos val="b"/>
         <c:majorTickMark val="none"/>
-        <c:minorTickMark val="none"/>
         <c:tickLblPos val="nextTo"/>
-        <c:crossAx val="43765760"/>
+        <c:crossAx val="58323328"/>
         <c:crosses val="autoZero"/>
         <c:auto val="1"/>
         <c:lblAlgn val="ctr"/>
         <c:lblOffset val="100"/>
-        <c:noMultiLvlLbl val="0"/>
       </c:catAx>
       <c:valAx>
-        <c:axId val="43765760"/>
+        <c:axId val="58323328"/>
         <c:scaling>
           <c:orientation val="minMax"/>
         </c:scaling>
-        <c:delete val="0"/>
         <c:axPos val="l"/>
         <c:majorGridlines/>
         <c:title>
@@ -537,46 +477,27 @@
               </a:p>
             </c:rich>
           </c:tx>
-          <c:layout/>
-          <c:overlay val="0"/>
         </c:title>
         <c:numFmt formatCode="General" sourceLinked="1"/>
-        <c:majorTickMark val="out"/>
-        <c:minorTickMark val="none"/>
         <c:tickLblPos val="nextTo"/>
-        <c:crossAx val="43747584"/>
+        <c:crossAx val="58059392"/>
         <c:crosses val="autoZero"/>
         <c:crossBetween val="between"/>
       </c:valAx>
     </c:plotArea>
     <c:legend>
       <c:legendPos val="r"/>
-      <c:layout/>
-      <c:overlay val="0"/>
     </c:legend>
     <c:plotVisOnly val="1"/>
     <c:dispBlanksAs val="gap"/>
-    <c:showDLblsOverMax val="0"/>
   </c:chart>
-  <c:externalData r:id="rId1">
-    <c:autoUpdate val="0"/>
-  </c:externalData>
+  <c:externalData r:id="rId1"/>
 </c:chartSpace>
 </file>
 
 <file path=ppt/charts/chart3.xml><?xml version="1.0" encoding="utf-8"?>
 <c:chartSpace xmlns:c="http://schemas.openxmlformats.org/drawingml/2006/chart" xmlns:a="http://schemas.openxmlformats.org/drawingml/2006/main" xmlns:r="http://schemas.openxmlformats.org/officeDocument/2006/relationships">
-  <c:date1904 val="0"/>
-  <c:lang val="en-GB"/>
-  <c:roundedCorners val="0"/>
-  <mc:AlternateContent xmlns:mc="http://schemas.openxmlformats.org/markup-compatibility/2006">
-    <mc:Choice xmlns:c14="http://schemas.microsoft.com/office/drawing/2007/8/2/chart" Requires="c14">
-      <c14:style val="102"/>
-    </mc:Choice>
-    <mc:Fallback>
-      <c:style val="2"/>
-    </mc:Fallback>
-  </mc:AlternateContent>
+  <c:lang val="en-US"/>
   <c:chart>
     <c:title>
       <c:tx>
@@ -608,16 +529,12 @@
           </a:p>
         </c:rich>
       </c:tx>
-      <c:layout/>
-      <c:overlay val="0"/>
     </c:title>
-    <c:autoTitleDeleted val="0"/>
     <c:plotArea>
       <c:layout/>
       <c:barChart>
         <c:barDir val="col"/>
         <c:grouping val="clustered"/>
-        <c:varyColors val="0"/>
         <c:ser>
           <c:idx val="0"/>
           <c:order val="0"/>
@@ -632,7 +549,6 @@
               </c:strCache>
             </c:strRef>
           </c:tx>
-          <c:invertIfNegative val="0"/>
           <c:cat>
             <c:strLit>
               <c:ptCount val="1"/>
@@ -668,7 +584,6 @@
               </c:strCache>
             </c:strRef>
           </c:tx>
-          <c:invertIfNegative val="0"/>
           <c:cat>
             <c:strLit>
               <c:ptCount val="1"/>
@@ -684,7 +599,7 @@
                 <c:formatCode>General</c:formatCode>
                 <c:ptCount val="1"/>
                 <c:pt idx="0">
-                  <c:v>10.059999999999999</c:v>
+                  <c:v>10.060000000000002</c:v>
                 </c:pt>
               </c:numCache>
             </c:numRef>
@@ -704,7 +619,6 @@
               </c:strCache>
             </c:strRef>
           </c:tx>
-          <c:invertIfNegative val="0"/>
           <c:cat>
             <c:strLit>
               <c:ptCount val="1"/>
@@ -726,41 +640,29 @@
             </c:numRef>
           </c:val>
         </c:ser>
-        <c:dLbls>
-          <c:showLegendKey val="0"/>
-          <c:showVal val="0"/>
-          <c:showCatName val="0"/>
-          <c:showSerName val="0"/>
-          <c:showPercent val="0"/>
-          <c:showBubbleSize val="0"/>
-        </c:dLbls>
-        <c:gapWidth val="150"/>
-        <c:axId val="43604992"/>
-        <c:axId val="43606784"/>
+        <c:dLbls/>
+        <c:axId val="58449280"/>
+        <c:axId val="58590336"/>
       </c:barChart>
       <c:catAx>
-        <c:axId val="43604992"/>
+        <c:axId val="58449280"/>
         <c:scaling>
           <c:orientation val="minMax"/>
         </c:scaling>
-        <c:delete val="0"/>
         <c:axPos val="b"/>
         <c:majorTickMark val="none"/>
-        <c:minorTickMark val="none"/>
         <c:tickLblPos val="nextTo"/>
-        <c:crossAx val="43606784"/>
+        <c:crossAx val="58590336"/>
         <c:crosses val="autoZero"/>
         <c:auto val="1"/>
         <c:lblAlgn val="ctr"/>
         <c:lblOffset val="100"/>
-        <c:noMultiLvlLbl val="0"/>
       </c:catAx>
       <c:valAx>
-        <c:axId val="43606784"/>
+        <c:axId val="58590336"/>
         <c:scaling>
           <c:orientation val="minMax"/>
         </c:scaling>
-        <c:delete val="0"/>
         <c:axPos val="l"/>
         <c:majorGridlines/>
         <c:title>
@@ -779,46 +681,27 @@
               </a:p>
             </c:rich>
           </c:tx>
-          <c:layout/>
-          <c:overlay val="0"/>
         </c:title>
         <c:numFmt formatCode="General" sourceLinked="1"/>
-        <c:majorTickMark val="out"/>
-        <c:minorTickMark val="none"/>
         <c:tickLblPos val="nextTo"/>
-        <c:crossAx val="43604992"/>
+        <c:crossAx val="58449280"/>
         <c:crosses val="autoZero"/>
         <c:crossBetween val="between"/>
       </c:valAx>
     </c:plotArea>
     <c:legend>
       <c:legendPos val="r"/>
-      <c:layout/>
-      <c:overlay val="0"/>
     </c:legend>
     <c:plotVisOnly val="1"/>
     <c:dispBlanksAs val="gap"/>
-    <c:showDLblsOverMax val="0"/>
   </c:chart>
-  <c:externalData r:id="rId1">
-    <c:autoUpdate val="0"/>
-  </c:externalData>
+  <c:externalData r:id="rId1"/>
 </c:chartSpace>
 </file>
 
 <file path=ppt/charts/chart4.xml><?xml version="1.0" encoding="utf-8"?>
 <c:chartSpace xmlns:c="http://schemas.openxmlformats.org/drawingml/2006/chart" xmlns:a="http://schemas.openxmlformats.org/drawingml/2006/main" xmlns:r="http://schemas.openxmlformats.org/officeDocument/2006/relationships">
-  <c:date1904 val="0"/>
-  <c:lang val="en-GB"/>
-  <c:roundedCorners val="0"/>
-  <mc:AlternateContent xmlns:mc="http://schemas.openxmlformats.org/markup-compatibility/2006">
-    <mc:Choice xmlns:c14="http://schemas.microsoft.com/office/drawing/2007/8/2/chart" Requires="c14">
-      <c14:style val="102"/>
-    </mc:Choice>
-    <mc:Fallback>
-      <c:style val="2"/>
-    </mc:Fallback>
-  </mc:AlternateContent>
+  <c:lang val="en-US"/>
   <c:chart>
     <c:title>
       <c:tx>
@@ -850,16 +733,12 @@
           </a:p>
         </c:rich>
       </c:tx>
-      <c:layout/>
-      <c:overlay val="0"/>
     </c:title>
-    <c:autoTitleDeleted val="0"/>
     <c:plotArea>
       <c:layout/>
       <c:barChart>
         <c:barDir val="col"/>
         <c:grouping val="clustered"/>
-        <c:varyColors val="0"/>
         <c:ser>
           <c:idx val="0"/>
           <c:order val="0"/>
@@ -874,7 +753,6 @@
               </c:strCache>
             </c:strRef>
           </c:tx>
-          <c:invertIfNegative val="0"/>
           <c:cat>
             <c:strLit>
               <c:ptCount val="1"/>
@@ -890,7 +768,7 @@
                 <c:formatCode>General</c:formatCode>
                 <c:ptCount val="1"/>
                 <c:pt idx="0">
-                  <c:v>45.31</c:v>
+                  <c:v>45.309999999999995</c:v>
                 </c:pt>
               </c:numCache>
             </c:numRef>
@@ -910,7 +788,6 @@
               </c:strCache>
             </c:strRef>
           </c:tx>
-          <c:invertIfNegative val="0"/>
           <c:cat>
             <c:strLit>
               <c:ptCount val="1"/>
@@ -946,7 +823,6 @@
               </c:strCache>
             </c:strRef>
           </c:tx>
-          <c:invertIfNegative val="0"/>
           <c:cat>
             <c:strLit>
               <c:ptCount val="1"/>
@@ -968,41 +844,29 @@
             </c:numRef>
           </c:val>
         </c:ser>
-        <c:dLbls>
-          <c:showLegendKey val="0"/>
-          <c:showVal val="0"/>
-          <c:showCatName val="0"/>
-          <c:showSerName val="0"/>
-          <c:showPercent val="0"/>
-          <c:showBubbleSize val="0"/>
-        </c:dLbls>
-        <c:gapWidth val="150"/>
-        <c:axId val="43638784"/>
-        <c:axId val="43640320"/>
+        <c:dLbls/>
+        <c:axId val="58646912"/>
+        <c:axId val="58648448"/>
       </c:barChart>
       <c:catAx>
-        <c:axId val="43638784"/>
+        <c:axId val="58646912"/>
         <c:scaling>
           <c:orientation val="minMax"/>
         </c:scaling>
-        <c:delete val="0"/>
         <c:axPos val="b"/>
         <c:majorTickMark val="none"/>
-        <c:minorTickMark val="none"/>
         <c:tickLblPos val="nextTo"/>
-        <c:crossAx val="43640320"/>
+        <c:crossAx val="58648448"/>
         <c:crosses val="autoZero"/>
         <c:auto val="1"/>
         <c:lblAlgn val="ctr"/>
         <c:lblOffset val="100"/>
-        <c:noMultiLvlLbl val="0"/>
       </c:catAx>
       <c:valAx>
-        <c:axId val="43640320"/>
+        <c:axId val="58648448"/>
         <c:scaling>
           <c:orientation val="minMax"/>
         </c:scaling>
-        <c:delete val="0"/>
         <c:axPos val="l"/>
         <c:majorGridlines/>
         <c:title>
@@ -1021,46 +885,27 @@
               </a:p>
             </c:rich>
           </c:tx>
-          <c:layout/>
-          <c:overlay val="0"/>
         </c:title>
         <c:numFmt formatCode="General" sourceLinked="1"/>
-        <c:majorTickMark val="out"/>
-        <c:minorTickMark val="none"/>
         <c:tickLblPos val="nextTo"/>
-        <c:crossAx val="43638784"/>
+        <c:crossAx val="58646912"/>
         <c:crosses val="autoZero"/>
         <c:crossBetween val="between"/>
       </c:valAx>
     </c:plotArea>
     <c:legend>
       <c:legendPos val="r"/>
-      <c:layout/>
-      <c:overlay val="0"/>
     </c:legend>
     <c:plotVisOnly val="1"/>
     <c:dispBlanksAs val="gap"/>
-    <c:showDLblsOverMax val="0"/>
   </c:chart>
-  <c:externalData r:id="rId1">
-    <c:autoUpdate val="0"/>
-  </c:externalData>
+  <c:externalData r:id="rId1"/>
 </c:chartSpace>
 </file>
 
 <file path=ppt/charts/chart5.xml><?xml version="1.0" encoding="utf-8"?>
 <c:chartSpace xmlns:c="http://schemas.openxmlformats.org/drawingml/2006/chart" xmlns:a="http://schemas.openxmlformats.org/drawingml/2006/main" xmlns:r="http://schemas.openxmlformats.org/officeDocument/2006/relationships">
-  <c:date1904 val="0"/>
-  <c:lang val="en-GB"/>
-  <c:roundedCorners val="0"/>
-  <mc:AlternateContent xmlns:mc="http://schemas.openxmlformats.org/markup-compatibility/2006">
-    <mc:Choice xmlns:c14="http://schemas.microsoft.com/office/drawing/2007/8/2/chart" Requires="c14">
-      <c14:style val="102"/>
-    </mc:Choice>
-    <mc:Fallback>
-      <c:style val="2"/>
-    </mc:Fallback>
-  </mc:AlternateContent>
+  <c:lang val="en-US"/>
   <c:chart>
     <c:title>
       <c:tx>
@@ -1087,16 +932,12 @@
           </a:p>
         </c:rich>
       </c:tx>
-      <c:layout/>
-      <c:overlay val="0"/>
     </c:title>
-    <c:autoTitleDeleted val="0"/>
     <c:plotArea>
       <c:layout/>
       <c:barChart>
         <c:barDir val="col"/>
         <c:grouping val="clustered"/>
-        <c:varyColors val="0"/>
         <c:ser>
           <c:idx val="0"/>
           <c:order val="0"/>
@@ -1111,7 +952,6 @@
               </c:strCache>
             </c:strRef>
           </c:tx>
-          <c:invertIfNegative val="0"/>
           <c:cat>
             <c:strLit>
               <c:ptCount val="1"/>
@@ -1147,7 +987,6 @@
               </c:strCache>
             </c:strRef>
           </c:tx>
-          <c:invertIfNegative val="0"/>
           <c:cat>
             <c:strLit>
               <c:ptCount val="1"/>
@@ -1163,7 +1002,7 @@
                 <c:formatCode>General</c:formatCode>
                 <c:ptCount val="1"/>
                 <c:pt idx="0">
-                  <c:v>12.059999999999999</c:v>
+                  <c:v>12.060000000000002</c:v>
                 </c:pt>
               </c:numCache>
             </c:numRef>
@@ -1183,7 +1022,6 @@
               </c:strCache>
             </c:strRef>
           </c:tx>
-          <c:invertIfNegative val="0"/>
           <c:cat>
             <c:strLit>
               <c:ptCount val="1"/>
@@ -1199,47 +1037,35 @@
                 <c:formatCode>General</c:formatCode>
                 <c:ptCount val="1"/>
                 <c:pt idx="0">
-                  <c:v>1.7599999999999998</c:v>
+                  <c:v>1.7599999999999996</c:v>
                 </c:pt>
               </c:numCache>
             </c:numRef>
           </c:val>
         </c:ser>
-        <c:dLbls>
-          <c:showLegendKey val="0"/>
-          <c:showVal val="0"/>
-          <c:showCatName val="0"/>
-          <c:showSerName val="0"/>
-          <c:showPercent val="0"/>
-          <c:showBubbleSize val="0"/>
-        </c:dLbls>
-        <c:gapWidth val="150"/>
-        <c:axId val="43791104"/>
-        <c:axId val="43792640"/>
+        <c:dLbls/>
+        <c:axId val="58684544"/>
+        <c:axId val="58686080"/>
       </c:barChart>
       <c:catAx>
-        <c:axId val="43791104"/>
+        <c:axId val="58684544"/>
         <c:scaling>
           <c:orientation val="minMax"/>
         </c:scaling>
-        <c:delete val="0"/>
         <c:axPos val="b"/>
         <c:majorTickMark val="none"/>
-        <c:minorTickMark val="none"/>
         <c:tickLblPos val="nextTo"/>
-        <c:crossAx val="43792640"/>
+        <c:crossAx val="58686080"/>
         <c:crosses val="autoZero"/>
         <c:auto val="1"/>
         <c:lblAlgn val="ctr"/>
         <c:lblOffset val="100"/>
-        <c:noMultiLvlLbl val="0"/>
       </c:catAx>
       <c:valAx>
-        <c:axId val="43792640"/>
+        <c:axId val="58686080"/>
         <c:scaling>
           <c:orientation val="minMax"/>
         </c:scaling>
-        <c:delete val="0"/>
         <c:axPos val="l"/>
         <c:majorGridlines/>
         <c:title>
@@ -1258,46 +1084,27 @@
               </a:p>
             </c:rich>
           </c:tx>
-          <c:layout/>
-          <c:overlay val="0"/>
         </c:title>
         <c:numFmt formatCode="General" sourceLinked="1"/>
-        <c:majorTickMark val="out"/>
-        <c:minorTickMark val="none"/>
         <c:tickLblPos val="nextTo"/>
-        <c:crossAx val="43791104"/>
+        <c:crossAx val="58684544"/>
         <c:crosses val="autoZero"/>
         <c:crossBetween val="between"/>
       </c:valAx>
     </c:plotArea>
     <c:legend>
       <c:legendPos val="r"/>
-      <c:layout/>
-      <c:overlay val="0"/>
     </c:legend>
     <c:plotVisOnly val="1"/>
     <c:dispBlanksAs val="gap"/>
-    <c:showDLblsOverMax val="0"/>
   </c:chart>
-  <c:externalData r:id="rId1">
-    <c:autoUpdate val="0"/>
-  </c:externalData>
+  <c:externalData r:id="rId1"/>
 </c:chartSpace>
 </file>
 
 <file path=ppt/charts/chart6.xml><?xml version="1.0" encoding="utf-8"?>
 <c:chartSpace xmlns:c="http://schemas.openxmlformats.org/drawingml/2006/chart" xmlns:a="http://schemas.openxmlformats.org/drawingml/2006/main" xmlns:r="http://schemas.openxmlformats.org/officeDocument/2006/relationships">
-  <c:date1904 val="0"/>
-  <c:lang val="en-GB"/>
-  <c:roundedCorners val="0"/>
-  <mc:AlternateContent xmlns:mc="http://schemas.openxmlformats.org/markup-compatibility/2006">
-    <mc:Choice xmlns:c14="http://schemas.microsoft.com/office/drawing/2007/8/2/chart" Requires="c14">
-      <c14:style val="102"/>
-    </mc:Choice>
-    <mc:Fallback>
-      <c:style val="2"/>
-    </mc:Fallback>
-  </mc:AlternateContent>
+  <c:lang val="en-US"/>
   <c:chart>
     <c:title>
       <c:tx>
@@ -1324,16 +1131,12 @@
           </a:p>
         </c:rich>
       </c:tx>
-      <c:layout/>
-      <c:overlay val="0"/>
     </c:title>
-    <c:autoTitleDeleted val="0"/>
     <c:plotArea>
       <c:layout/>
       <c:barChart>
         <c:barDir val="col"/>
         <c:grouping val="clustered"/>
-        <c:varyColors val="0"/>
         <c:ser>
           <c:idx val="0"/>
           <c:order val="0"/>
@@ -1348,7 +1151,6 @@
               </c:strCache>
             </c:strRef>
           </c:tx>
-          <c:invertIfNegative val="0"/>
           <c:cat>
             <c:strRef>
               <c:f>Sheet1!$C$62:$E$62</c:f>
@@ -1373,53 +1175,41 @@
                 <c:formatCode>mm:ss.0</c:formatCode>
                 <c:ptCount val="3"/>
                 <c:pt idx="0">
-                  <c:v>9.6731481481481477E-3</c:v>
+                  <c:v>9.6731481481481495E-3</c:v>
                 </c:pt>
                 <c:pt idx="1">
-                  <c:v>3.7430555555555557E-4</c:v>
+                  <c:v>3.7430555555555573E-4</c:v>
                 </c:pt>
                 <c:pt idx="2">
-                  <c:v>1.0555555555555554E-4</c:v>
+                  <c:v>1.0555555555555558E-4</c:v>
                 </c:pt>
               </c:numCache>
             </c:numRef>
           </c:val>
         </c:ser>
-        <c:dLbls>
-          <c:showLegendKey val="0"/>
-          <c:showVal val="0"/>
-          <c:showCatName val="0"/>
-          <c:showSerName val="0"/>
-          <c:showPercent val="0"/>
-          <c:showBubbleSize val="0"/>
-        </c:dLbls>
-        <c:gapWidth val="150"/>
-        <c:axId val="43831296"/>
-        <c:axId val="43832832"/>
+        <c:dLbls/>
+        <c:axId val="58707328"/>
+        <c:axId val="58729600"/>
       </c:barChart>
       <c:catAx>
-        <c:axId val="43831296"/>
+        <c:axId val="58707328"/>
         <c:scaling>
           <c:orientation val="minMax"/>
         </c:scaling>
-        <c:delete val="0"/>
         <c:axPos val="b"/>
         <c:majorTickMark val="none"/>
-        <c:minorTickMark val="none"/>
         <c:tickLblPos val="nextTo"/>
-        <c:crossAx val="43832832"/>
+        <c:crossAx val="58729600"/>
         <c:crosses val="autoZero"/>
         <c:auto val="1"/>
         <c:lblAlgn val="ctr"/>
         <c:lblOffset val="100"/>
-        <c:noMultiLvlLbl val="0"/>
       </c:catAx>
       <c:valAx>
-        <c:axId val="43832832"/>
+        <c:axId val="58729600"/>
         <c:scaling>
           <c:orientation val="minMax"/>
         </c:scaling>
-        <c:delete val="0"/>
         <c:axPos val="l"/>
         <c:majorGridlines/>
         <c:title>
@@ -1443,14 +1233,11 @@
               </a:p>
             </c:rich>
           </c:tx>
-          <c:layout/>
-          <c:overlay val="0"/>
         </c:title>
         <c:numFmt formatCode="mm:ss.0" sourceLinked="1"/>
         <c:majorTickMark val="none"/>
-        <c:minorTickMark val="none"/>
         <c:tickLblPos val="nextTo"/>
-        <c:crossAx val="43831296"/>
+        <c:crossAx val="58707328"/>
         <c:crosses val="autoZero"/>
         <c:crossBetween val="between"/>
       </c:valAx>
@@ -1463,27 +1250,14 @@
     </c:plotArea>
     <c:plotVisOnly val="1"/>
     <c:dispBlanksAs val="gap"/>
-    <c:showDLblsOverMax val="0"/>
   </c:chart>
-  <c:externalData r:id="rId1">
-    <c:autoUpdate val="0"/>
-  </c:externalData>
+  <c:externalData r:id="rId1"/>
 </c:chartSpace>
 </file>
 
 <file path=ppt/charts/chart7.xml><?xml version="1.0" encoding="utf-8"?>
 <c:chartSpace xmlns:c="http://schemas.openxmlformats.org/drawingml/2006/chart" xmlns:a="http://schemas.openxmlformats.org/drawingml/2006/main" xmlns:r="http://schemas.openxmlformats.org/officeDocument/2006/relationships">
-  <c:date1904 val="0"/>
-  <c:lang val="en-GB"/>
-  <c:roundedCorners val="0"/>
-  <mc:AlternateContent xmlns:mc="http://schemas.openxmlformats.org/markup-compatibility/2006">
-    <mc:Choice xmlns:c14="http://schemas.microsoft.com/office/drawing/2007/8/2/chart" Requires="c14">
-      <c14:style val="102"/>
-    </mc:Choice>
-    <mc:Fallback>
-      <c:style val="2"/>
-    </mc:Fallback>
-  </mc:AlternateContent>
+  <c:lang val="en-US"/>
   <c:chart>
     <c:title>
       <c:tx>
@@ -1512,16 +1286,12 @@
           </a:p>
         </c:rich>
       </c:tx>
-      <c:layout/>
-      <c:overlay val="0"/>
     </c:title>
-    <c:autoTitleDeleted val="0"/>
     <c:plotArea>
       <c:layout/>
       <c:barChart>
         <c:barDir val="col"/>
         <c:grouping val="clustered"/>
-        <c:varyColors val="0"/>
         <c:ser>
           <c:idx val="0"/>
           <c:order val="0"/>
@@ -1536,7 +1306,6 @@
               </c:strCache>
             </c:strRef>
           </c:tx>
-          <c:invertIfNegative val="0"/>
           <c:cat>
             <c:strRef>
               <c:f>Sheet1!$F$62:$H$62</c:f>
@@ -1561,53 +1330,41 @@
                 <c:formatCode>mm:ss.0</c:formatCode>
                 <c:ptCount val="3"/>
                 <c:pt idx="0">
-                  <c:v>5.1460648148148143E-3</c:v>
+                  <c:v>5.146064814814816E-3</c:v>
                 </c:pt>
                 <c:pt idx="1">
-                  <c:v>1.25E-4</c:v>
+                  <c:v>1.2500000000000003E-4</c:v>
                 </c:pt>
                 <c:pt idx="2">
-                  <c:v>1.8750000000000002E-5</c:v>
+                  <c:v>1.8750000000000009E-5</c:v>
                 </c:pt>
               </c:numCache>
             </c:numRef>
           </c:val>
         </c:ser>
-        <c:dLbls>
-          <c:showLegendKey val="0"/>
-          <c:showVal val="0"/>
-          <c:showCatName val="0"/>
-          <c:showSerName val="0"/>
-          <c:showPercent val="0"/>
-          <c:showBubbleSize val="0"/>
-        </c:dLbls>
-        <c:gapWidth val="150"/>
-        <c:axId val="43925888"/>
-        <c:axId val="43927424"/>
+        <c:dLbls/>
+        <c:axId val="58776576"/>
+        <c:axId val="58790656"/>
       </c:barChart>
       <c:catAx>
-        <c:axId val="43925888"/>
+        <c:axId val="58776576"/>
         <c:scaling>
           <c:orientation val="minMax"/>
         </c:scaling>
-        <c:delete val="0"/>
         <c:axPos val="b"/>
         <c:majorTickMark val="none"/>
-        <c:minorTickMark val="none"/>
         <c:tickLblPos val="nextTo"/>
-        <c:crossAx val="43927424"/>
+        <c:crossAx val="58790656"/>
         <c:crosses val="autoZero"/>
         <c:auto val="1"/>
         <c:lblAlgn val="ctr"/>
         <c:lblOffset val="100"/>
-        <c:noMultiLvlLbl val="0"/>
       </c:catAx>
       <c:valAx>
-        <c:axId val="43927424"/>
+        <c:axId val="58790656"/>
         <c:scaling>
           <c:orientation val="minMax"/>
         </c:scaling>
-        <c:delete val="0"/>
         <c:axPos val="l"/>
         <c:majorGridlines/>
         <c:title>
@@ -1626,14 +1383,11 @@
               </a:p>
             </c:rich>
           </c:tx>
-          <c:layout/>
-          <c:overlay val="0"/>
         </c:title>
         <c:numFmt formatCode="mm:ss.0" sourceLinked="1"/>
         <c:majorTickMark val="none"/>
-        <c:minorTickMark val="none"/>
         <c:tickLblPos val="nextTo"/>
-        <c:crossAx val="43925888"/>
+        <c:crossAx val="58776576"/>
         <c:crosses val="autoZero"/>
         <c:crossBetween val="between"/>
       </c:valAx>
@@ -1646,11 +1400,8 @@
     </c:plotArea>
     <c:plotVisOnly val="1"/>
     <c:dispBlanksAs val="gap"/>
-    <c:showDLblsOverMax val="0"/>
   </c:chart>
-  <c:externalData r:id="rId1">
-    <c:autoUpdate val="0"/>
-  </c:externalData>
+  <c:externalData r:id="rId1"/>
 </c:chartSpace>
 </file>
 
@@ -1737,7 +1488,7 @@
             <a:fld id="{7132F85A-5406-47F9-BEA0-DF279D6F4DFB}" type="datetimeFigureOut">
               <a:rPr lang="en-US" smtClean="0"/>
               <a:pPr/>
-              <a:t>1/17/2013</a:t>
+              <a:t>9/13/2013</a:t>
             </a:fld>
             <a:endParaRPr lang="en-US"/>
           </a:p>
@@ -1813,7 +1564,7 @@
     </p:spTree>
     <p:extLst>
       <p:ext uri="{BB962C8B-B14F-4D97-AF65-F5344CB8AC3E}">
-        <p14:creationId xmlns:p14="http://schemas.microsoft.com/office/powerpoint/2010/main" val="3888074105"/>
+        <p14:creationId xmlns:p14="http://schemas.microsoft.com/office/powerpoint/2010/main" xmlns="" val="3888074105"/>
       </p:ext>
     </p:extLst>
   </p:cSld>
@@ -1904,7 +1655,7 @@
             <a:fld id="{1292C1CC-2F4A-43E6-AB9B-3B28D4A93D66}" type="datetimeFigureOut">
               <a:rPr lang="en-US" smtClean="0"/>
               <a:pPr/>
-              <a:t>1/17/2013</a:t>
+              <a:t>9/13/2013</a:t>
             </a:fld>
             <a:endParaRPr lang="en-US"/>
           </a:p>
@@ -2075,7 +1826,7 @@
     </p:spTree>
     <p:extLst>
       <p:ext uri="{BB962C8B-B14F-4D97-AF65-F5344CB8AC3E}">
-        <p14:creationId xmlns:p14="http://schemas.microsoft.com/office/powerpoint/2010/main" val="4097232936"/>
+        <p14:creationId xmlns:p14="http://schemas.microsoft.com/office/powerpoint/2010/main" xmlns="" val="4097232936"/>
       </p:ext>
     </p:extLst>
   </p:cSld>
@@ -2506,7 +2257,7 @@
             <a:fld id="{E8349970-0220-496B-9872-18A3DEEA3406}" type="datetime1">
               <a:rPr lang="en-US" smtClean="0"/>
               <a:pPr/>
-              <a:t>1/17/2013</a:t>
+              <a:t>9/13/2013</a:t>
             </a:fld>
             <a:endParaRPr lang="en-US"/>
           </a:p>
@@ -2731,7 +2482,7 @@
             <a:fld id="{90C9E00F-9476-4B0E-B3BC-D0467FE14E10}" type="datetime1">
               <a:rPr lang="en-US" smtClean="0"/>
               <a:pPr/>
-              <a:t>1/17/2013</a:t>
+              <a:t>9/13/2013</a:t>
             </a:fld>
             <a:endParaRPr lang="en-US"/>
           </a:p>
@@ -3013,7 +2764,7 @@
             <a:fld id="{C0BEC330-867C-4A7D-A960-8940E92B048D}" type="datetime1">
               <a:rPr lang="en-US" smtClean="0"/>
               <a:pPr/>
-              <a:t>1/17/2013</a:t>
+              <a:t>9/13/2013</a:t>
             </a:fld>
             <a:endParaRPr lang="en-US"/>
           </a:p>
@@ -3194,7 +2945,7 @@
             <a:fld id="{8E4CCBA0-9738-4239-8F8A-7027B2315E6B}" type="datetime1">
               <a:rPr lang="en-US" smtClean="0"/>
               <a:pPr/>
-              <a:t>1/17/2013</a:t>
+              <a:t>9/13/2013</a:t>
             </a:fld>
             <a:endParaRPr lang="en-US"/>
           </a:p>
@@ -3554,7 +3305,7 @@
             <a:fld id="{C045F4E9-E3D6-412D-A399-6D51B1441BBE}" type="datetime1">
               <a:rPr lang="en-US" smtClean="0"/>
               <a:pPr/>
-              <a:t>1/17/2013</a:t>
+              <a:t>9/13/2013</a:t>
             </a:fld>
             <a:endParaRPr lang="en-US"/>
           </a:p>
@@ -3843,7 +3594,7 @@
             <a:fld id="{CE6E7CE2-80A1-4DDA-BB58-28E6C46A206C}" type="datetime1">
               <a:rPr lang="en-US" smtClean="0"/>
               <a:pPr/>
-              <a:t>1/17/2013</a:t>
+              <a:t>9/13/2013</a:t>
             </a:fld>
             <a:endParaRPr lang="en-US"/>
           </a:p>
@@ -4267,7 +4018,7 @@
             <a:fld id="{51D5A03D-B048-49E0-88F5-E9BAA6C7C3B4}" type="datetime1">
               <a:rPr lang="en-US" smtClean="0"/>
               <a:pPr/>
-              <a:t>1/17/2013</a:t>
+              <a:t>9/13/2013</a:t>
             </a:fld>
             <a:endParaRPr lang="en-US"/>
           </a:p>
@@ -4384,7 +4135,7 @@
             <a:fld id="{1D49B624-B75F-4C15-81DF-DC946CAF03B2}" type="datetime1">
               <a:rPr lang="en-US" smtClean="0"/>
               <a:pPr/>
-              <a:t>1/17/2013</a:t>
+              <a:t>9/13/2013</a:t>
             </a:fld>
             <a:endParaRPr lang="en-US"/>
           </a:p>
@@ -4476,7 +4227,7 @@
             <a:fld id="{0675E8D2-8F5E-4332-A4B5-A36285DB09FC}" type="datetime1">
               <a:rPr lang="en-US" smtClean="0"/>
               <a:pPr/>
-              <a:t>1/17/2013</a:t>
+              <a:t>9/13/2013</a:t>
             </a:fld>
             <a:endParaRPr lang="en-US"/>
           </a:p>
@@ -4756,7 +4507,7 @@
             <a:fld id="{A487BA17-7AD9-4483-BBDC-7F2F434BBEF6}" type="datetime1">
               <a:rPr lang="en-US" smtClean="0"/>
               <a:pPr/>
-              <a:t>1/17/2013</a:t>
+              <a:t>9/13/2013</a:t>
             </a:fld>
             <a:endParaRPr lang="en-US"/>
           </a:p>
@@ -5124,7 +4875,7 @@
             <a:fld id="{057BED91-9539-43C5-9360-27FF5AF29779}" type="datetime1">
               <a:rPr lang="en-US" smtClean="0"/>
               <a:pPr/>
-              <a:t>1/17/2013</a:t>
+              <a:t>9/13/2013</a:t>
             </a:fld>
             <a:endParaRPr lang="en-US"/>
           </a:p>
@@ -5563,7 +5314,7 @@
             <a:fld id="{B0CFCC1A-42A8-4ADC-9FCA-2D9B109B1F88}" type="datetime1">
               <a:rPr lang="en-US" smtClean="0"/>
               <a:pPr/>
-              <a:t>1/17/2013</a:t>
+              <a:t>9/13/2013</a:t>
             </a:fld>
             <a:endParaRPr lang="en-US"/>
           </a:p>
@@ -8910,11 +8661,7 @@
           <a:p>
             <a:r>
               <a:rPr lang="en-US" dirty="0" smtClean="0"/>
-              <a:t>Future </a:t>
-            </a:r>
-            <a:r>
-              <a:rPr lang="en-US" dirty="0" smtClean="0"/>
-              <a:t>Work</a:t>
+              <a:t>Future Work</a:t>
             </a:r>
           </a:p>
           <a:p>
@@ -9480,11 +9227,7 @@
           <a:p>
             <a:r>
               <a:rPr lang="en-US" b="1" dirty="0" smtClean="0"/>
-              <a:t>Future </a:t>
-            </a:r>
-            <a:r>
-              <a:rPr lang="en-US" b="1" dirty="0" smtClean="0"/>
-              <a:t>Work</a:t>
+              <a:t>Future Work</a:t>
             </a:r>
           </a:p>
           <a:p>
@@ -9859,7 +9602,7 @@
           <a:p>
             <a:r>
               <a:rPr lang="en-US" dirty="0" smtClean="0"/>
-              <a:t>Semester Plan</a:t>
+              <a:t>Acknowledgements</a:t>
             </a:r>
             <a:endParaRPr lang="en-US" dirty="0"/>
           </a:p>
@@ -9878,40 +9621,13 @@
         <p:spPr/>
         <p:txBody>
           <a:bodyPr>
-            <a:normAutofit fontScale="85000" lnSpcReduction="20000"/>
+            <a:normAutofit/>
           </a:bodyPr>
           <a:lstStyle/>
           <a:p>
             <a:r>
               <a:rPr lang="en-US" dirty="0" smtClean="0"/>
-              <a:t>January</a:t>
-            </a:r>
-          </a:p>
-          <a:p>
-            <a:pPr lvl="1"/>
-            <a:r>
-              <a:rPr lang="en-US" dirty="0" smtClean="0"/>
-              <a:t>Understand Differences between PROV-O and PML</a:t>
-            </a:r>
-          </a:p>
-          <a:p>
-            <a:r>
-              <a:rPr lang="en-US" dirty="0" smtClean="0"/>
-              <a:t>February</a:t>
-            </a:r>
-          </a:p>
-          <a:p>
-            <a:pPr lvl="1"/>
-            <a:r>
-              <a:rPr lang="en-US" dirty="0" smtClean="0"/>
-              <a:t>Generate a mapping of PROV-O to PML</a:t>
-            </a:r>
-          </a:p>
-          <a:p>
-            <a:pPr lvl="1"/>
-            <a:r>
-              <a:rPr lang="en-US" dirty="0" smtClean="0"/>
-              <a:t>Understand other Cyber-</a:t>
+              <a:t>This work used resources from Cyber-</a:t>
             </a:r>
             <a:r>
               <a:rPr lang="en-US" dirty="0" err="1" smtClean="0"/>
@@ -9919,47 +9635,7 @@
             </a:r>
             <a:r>
               <a:rPr lang="en-US" dirty="0" smtClean="0"/>
-              <a:t> applications and their use of PML</a:t>
-            </a:r>
-          </a:p>
-          <a:p>
-            <a:r>
-              <a:rPr lang="en-US" dirty="0" smtClean="0"/>
-              <a:t>March</a:t>
-            </a:r>
-          </a:p>
-          <a:p>
-            <a:pPr lvl="1"/>
-            <a:r>
-              <a:rPr lang="en-US" dirty="0" smtClean="0"/>
-              <a:t>Design a solution to add PROV-O support for necessary applications</a:t>
-            </a:r>
-          </a:p>
-          <a:p>
-            <a:pPr lvl="1"/>
-            <a:r>
-              <a:rPr lang="en-US" dirty="0" smtClean="0"/>
-              <a:t>Implementation of solution</a:t>
-            </a:r>
-          </a:p>
-          <a:p>
-            <a:r>
-              <a:rPr lang="en-US" dirty="0" smtClean="0"/>
-              <a:t>April</a:t>
-            </a:r>
-          </a:p>
-          <a:p>
-            <a:pPr lvl="1"/>
-            <a:r>
-              <a:rPr lang="en-US" dirty="0" smtClean="0"/>
-              <a:t>Testing of solution</a:t>
-            </a:r>
-          </a:p>
-          <a:p>
-            <a:pPr lvl="1"/>
-            <a:r>
-              <a:rPr lang="en-US" dirty="0" smtClean="0"/>
-              <a:t>Documentation of solution</a:t>
+              <a:t> Center of Excellence, which is supported by National Science Foundation grant number HRD-0734825. </a:t>
             </a:r>
             <a:endParaRPr lang="en-US" dirty="0"/>
           </a:p>
@@ -9994,6 +9670,13 @@
   <p:clrMapOvr>
     <a:masterClrMapping/>
   </p:clrMapOvr>
+  <p:timing>
+    <p:tnLst>
+      <p:par>
+        <p:cTn id="1" dur="indefinite" restart="never" nodeType="tmRoot"/>
+      </p:par>
+    </p:tnLst>
+  </p:timing>
 </p:sld>
 </file>
 
@@ -10031,40 +9714,7 @@
           <a:p>
             <a:r>
               <a:rPr lang="en-US" dirty="0" smtClean="0"/>
-              <a:t>Acknowledgements</a:t>
-            </a:r>
-            <a:endParaRPr lang="en-US" dirty="0"/>
-          </a:p>
-        </p:txBody>
-      </p:sp>
-      <p:sp>
-        <p:nvSpPr>
-          <p:cNvPr id="3" name="Content Placeholder 2"/>
-          <p:cNvSpPr>
-            <a:spLocks noGrp="1"/>
-          </p:cNvSpPr>
-          <p:nvPr>
-            <p:ph idx="1"/>
-          </p:nvPr>
-        </p:nvSpPr>
-        <p:spPr/>
-        <p:txBody>
-          <a:bodyPr>
-            <a:normAutofit/>
-          </a:bodyPr>
-          <a:lstStyle/>
-          <a:p>
-            <a:r>
-              <a:rPr lang="en-US" dirty="0" smtClean="0"/>
-              <a:t>This work used resources from Cyber-</a:t>
-            </a:r>
-            <a:r>
-              <a:rPr lang="en-US" dirty="0" err="1" smtClean="0"/>
-              <a:t>ShARE</a:t>
-            </a:r>
-            <a:r>
-              <a:rPr lang="en-US" dirty="0" smtClean="0"/>
-              <a:t> Center of Excellence, which is supported by National Science Foundation grant number HRD-0734825. </a:t>
+              <a:t>Questions</a:t>
             </a:r>
             <a:endParaRPr lang="en-US" dirty="0"/>
           </a:p>
@@ -10094,85 +9744,6 @@
           </a:p>
         </p:txBody>
       </p:sp>
-    </p:spTree>
-  </p:cSld>
-  <p:clrMapOvr>
-    <a:masterClrMapping/>
-  </p:clrMapOvr>
-  <p:timing>
-    <p:tnLst>
-      <p:par>
-        <p:cTn id="1" dur="indefinite" restart="never" nodeType="tmRoot"/>
-      </p:par>
-    </p:tnLst>
-  </p:timing>
-</p:sld>
-</file>
-
-<file path=ppt/slides/slide29.xml><?xml version="1.0" encoding="utf-8"?>
-<p:sld xmlns:a="http://schemas.openxmlformats.org/drawingml/2006/main" xmlns:r="http://schemas.openxmlformats.org/officeDocument/2006/relationships" xmlns:p="http://schemas.openxmlformats.org/presentationml/2006/main">
-  <p:cSld>
-    <p:spTree>
-      <p:nvGrpSpPr>
-        <p:cNvPr id="1" name=""/>
-        <p:cNvGrpSpPr/>
-        <p:nvPr/>
-      </p:nvGrpSpPr>
-      <p:grpSpPr>
-        <a:xfrm>
-          <a:off x="0" y="0"/>
-          <a:ext cx="0" cy="0"/>
-          <a:chOff x="0" y="0"/>
-          <a:chExt cx="0" cy="0"/>
-        </a:xfrm>
-      </p:grpSpPr>
-      <p:sp>
-        <p:nvSpPr>
-          <p:cNvPr id="2" name="Title 1"/>
-          <p:cNvSpPr>
-            <a:spLocks noGrp="1"/>
-          </p:cNvSpPr>
-          <p:nvPr>
-            <p:ph type="title"/>
-          </p:nvPr>
-        </p:nvSpPr>
-        <p:spPr/>
-        <p:txBody>
-          <a:bodyPr/>
-          <a:lstStyle/>
-          <a:p>
-            <a:r>
-              <a:rPr lang="en-US" dirty="0" smtClean="0"/>
-              <a:t>Questions</a:t>
-            </a:r>
-            <a:endParaRPr lang="en-US" dirty="0"/>
-          </a:p>
-        </p:txBody>
-      </p:sp>
-      <p:sp>
-        <p:nvSpPr>
-          <p:cNvPr id="4" name="Slide Number Placeholder 3"/>
-          <p:cNvSpPr>
-            <a:spLocks noGrp="1"/>
-          </p:cNvSpPr>
-          <p:nvPr>
-            <p:ph type="sldNum" sz="quarter" idx="12"/>
-          </p:nvPr>
-        </p:nvSpPr>
-        <p:spPr/>
-        <p:txBody>
-          <a:bodyPr/>
-          <a:lstStyle/>
-          <a:p>
-            <a:fld id="{BB5BFB8F-81A9-44A4-84AF-02E962FB45A5}" type="slidenum">
-              <a:rPr lang="en-US" smtClean="0"/>
-              <a:pPr/>
-              <a:t>29</a:t>
-            </a:fld>
-            <a:endParaRPr lang="en-US"/>
-          </a:p>
-        </p:txBody>
-      </p:sp>
       <p:pic>
         <p:nvPicPr>
           <p:cNvPr id="2050" name="Picture 2" descr="C:\Users\Hugo\Desktop\Question_mark.png"/>
@@ -10184,7 +9755,7 @@
           </p:nvPr>
         </p:nvPicPr>
         <p:blipFill>
-          <a:blip r:embed="rId2"/>
+          <a:blip r:embed="rId2" cstate="print"/>
           <a:srcRect/>
           <a:stretch>
             <a:fillRect/>
@@ -10450,11 +10021,7 @@
             <a:pPr lvl="2"/>
             <a:r>
               <a:rPr lang="en-US" dirty="0" smtClean="0"/>
-              <a:t>Uniquely identified </a:t>
-            </a:r>
-            <a:r>
-              <a:rPr lang="en-US" dirty="0" smtClean="0"/>
-              <a:t>by URIs</a:t>
+              <a:t>Uniquely identified by URIs</a:t>
             </a:r>
           </a:p>
           <a:p>
@@ -11164,11 +10731,7 @@
           <a:p>
             <a:r>
               <a:rPr lang="en-US" dirty="0" smtClean="0"/>
-              <a:t>Future </a:t>
-            </a:r>
-            <a:r>
-              <a:rPr lang="en-US" dirty="0" smtClean="0"/>
-              <a:t>Work</a:t>
+              <a:t>Future Work</a:t>
             </a:r>
           </a:p>
           <a:p>
